--- a/assets/images.pptx
+++ b/assets/images.pptx
@@ -107,6 +107,11 @@
       </a:defRPr>
     </a:lvl9pPr>
   </p:defaultTextStyle>
+  <p:extLst>
+    <p:ext uri="{EFAFB233-063F-42B5-8137-9DF3F51BA10A}">
+      <p15:sldGuideLst xmlns:p15="http://schemas.microsoft.com/office/powerpoint/2012/main"/>
+    </p:ext>
+  </p:extLst>
 </p:presentation>
 </file>
 
@@ -257,7 +262,7 @@
           <a:p>
             <a:fld id="{58D928ED-75E0-4400-8B50-F80BFF0B688A}" type="datetimeFigureOut">
               <a:rPr lang="zh-CN" altLang="en-US" smtClean="0"/>
-              <a:t>2023/5/9</a:t>
+              <a:t>2023/5/12</a:t>
             </a:fld>
             <a:endParaRPr lang="zh-CN" altLang="en-US"/>
           </a:p>
@@ -455,7 +460,7 @@
           <a:p>
             <a:fld id="{58D928ED-75E0-4400-8B50-F80BFF0B688A}" type="datetimeFigureOut">
               <a:rPr lang="zh-CN" altLang="en-US" smtClean="0"/>
-              <a:t>2023/5/9</a:t>
+              <a:t>2023/5/12</a:t>
             </a:fld>
             <a:endParaRPr lang="zh-CN" altLang="en-US"/>
           </a:p>
@@ -663,7 +668,7 @@
           <a:p>
             <a:fld id="{58D928ED-75E0-4400-8B50-F80BFF0B688A}" type="datetimeFigureOut">
               <a:rPr lang="zh-CN" altLang="en-US" smtClean="0"/>
-              <a:t>2023/5/9</a:t>
+              <a:t>2023/5/12</a:t>
             </a:fld>
             <a:endParaRPr lang="zh-CN" altLang="en-US"/>
           </a:p>
@@ -861,7 +866,7 @@
           <a:p>
             <a:fld id="{58D928ED-75E0-4400-8B50-F80BFF0B688A}" type="datetimeFigureOut">
               <a:rPr lang="zh-CN" altLang="en-US" smtClean="0"/>
-              <a:t>2023/5/9</a:t>
+              <a:t>2023/5/12</a:t>
             </a:fld>
             <a:endParaRPr lang="zh-CN" altLang="en-US"/>
           </a:p>
@@ -1136,7 +1141,7 @@
           <a:p>
             <a:fld id="{58D928ED-75E0-4400-8B50-F80BFF0B688A}" type="datetimeFigureOut">
               <a:rPr lang="zh-CN" altLang="en-US" smtClean="0"/>
-              <a:t>2023/5/9</a:t>
+              <a:t>2023/5/12</a:t>
             </a:fld>
             <a:endParaRPr lang="zh-CN" altLang="en-US"/>
           </a:p>
@@ -1401,7 +1406,7 @@
           <a:p>
             <a:fld id="{58D928ED-75E0-4400-8B50-F80BFF0B688A}" type="datetimeFigureOut">
               <a:rPr lang="zh-CN" altLang="en-US" smtClean="0"/>
-              <a:t>2023/5/9</a:t>
+              <a:t>2023/5/12</a:t>
             </a:fld>
             <a:endParaRPr lang="zh-CN" altLang="en-US"/>
           </a:p>
@@ -1813,7 +1818,7 @@
           <a:p>
             <a:fld id="{58D928ED-75E0-4400-8B50-F80BFF0B688A}" type="datetimeFigureOut">
               <a:rPr lang="zh-CN" altLang="en-US" smtClean="0"/>
-              <a:t>2023/5/9</a:t>
+              <a:t>2023/5/12</a:t>
             </a:fld>
             <a:endParaRPr lang="zh-CN" altLang="en-US"/>
           </a:p>
@@ -1954,7 +1959,7 @@
           <a:p>
             <a:fld id="{58D928ED-75E0-4400-8B50-F80BFF0B688A}" type="datetimeFigureOut">
               <a:rPr lang="zh-CN" altLang="en-US" smtClean="0"/>
-              <a:t>2023/5/9</a:t>
+              <a:t>2023/5/12</a:t>
             </a:fld>
             <a:endParaRPr lang="zh-CN" altLang="en-US"/>
           </a:p>
@@ -2067,7 +2072,7 @@
           <a:p>
             <a:fld id="{58D928ED-75E0-4400-8B50-F80BFF0B688A}" type="datetimeFigureOut">
               <a:rPr lang="zh-CN" altLang="en-US" smtClean="0"/>
-              <a:t>2023/5/9</a:t>
+              <a:t>2023/5/12</a:t>
             </a:fld>
             <a:endParaRPr lang="zh-CN" altLang="en-US"/>
           </a:p>
@@ -2378,7 +2383,7 @@
           <a:p>
             <a:fld id="{58D928ED-75E0-4400-8B50-F80BFF0B688A}" type="datetimeFigureOut">
               <a:rPr lang="zh-CN" altLang="en-US" smtClean="0"/>
-              <a:t>2023/5/9</a:t>
+              <a:t>2023/5/12</a:t>
             </a:fld>
             <a:endParaRPr lang="zh-CN" altLang="en-US"/>
           </a:p>
@@ -2666,7 +2671,7 @@
           <a:p>
             <a:fld id="{58D928ED-75E0-4400-8B50-F80BFF0B688A}" type="datetimeFigureOut">
               <a:rPr lang="zh-CN" altLang="en-US" smtClean="0"/>
-              <a:t>2023/5/9</a:t>
+              <a:t>2023/5/12</a:t>
             </a:fld>
             <a:endParaRPr lang="zh-CN" altLang="en-US"/>
           </a:p>
@@ -2907,7 +2912,7 @@
           <a:p>
             <a:fld id="{58D928ED-75E0-4400-8B50-F80BFF0B688A}" type="datetimeFigureOut">
               <a:rPr lang="zh-CN" altLang="en-US" smtClean="0"/>
-              <a:t>2023/5/9</a:t>
+              <a:t>2023/5/12</a:t>
             </a:fld>
             <a:endParaRPr lang="zh-CN" altLang="en-US"/>
           </a:p>
@@ -3786,8 +3791,8 @@
             </a:fontRef>
           </p:style>
         </p:cxnSp>
-        <mc:AlternateContent xmlns:mc="http://schemas.openxmlformats.org/markup-compatibility/2006">
-          <mc:Choice xmlns:a14="http://schemas.microsoft.com/office/drawing/2010/main" Requires="a14">
+        <mc:AlternateContent xmlns:mc="http://schemas.openxmlformats.org/markup-compatibility/2006" xmlns:a14="http://schemas.microsoft.com/office/drawing/2010/main">
+          <mc:Choice Requires="a14">
             <p:sp>
               <p:nvSpPr>
                 <p:cNvPr id="18" name="文本框 17">
@@ -3816,6 +3821,7 @@
                 </a:bodyPr>
                 <a:lstStyle/>
                 <a:p>
+                  <a:pPr/>
                   <a14:m>
                     <m:oMathPara xmlns:m="http://schemas.openxmlformats.org/officeDocument/2006/math">
                       <m:oMathParaPr>
@@ -3999,7 +4005,7 @@
               </p:txBody>
             </p:sp>
           </mc:Choice>
-          <mc:Fallback>
+          <mc:Fallback xmlns="">
             <p:sp>
               <p:nvSpPr>
                 <p:cNvPr id="18" name="文本框 17">
@@ -4044,8 +4050,8 @@
             </p:sp>
           </mc:Fallback>
         </mc:AlternateContent>
-        <mc:AlternateContent xmlns:mc="http://schemas.openxmlformats.org/markup-compatibility/2006">
-          <mc:Choice xmlns:a14="http://schemas.microsoft.com/office/drawing/2010/main" Requires="a14">
+        <mc:AlternateContent xmlns:mc="http://schemas.openxmlformats.org/markup-compatibility/2006" xmlns:a14="http://schemas.microsoft.com/office/drawing/2010/main">
+          <mc:Choice Requires="a14">
             <p:sp>
               <p:nvSpPr>
                 <p:cNvPr id="19" name="文本框 18">
@@ -4074,6 +4080,7 @@
                 </a:bodyPr>
                 <a:lstStyle/>
                 <a:p>
+                  <a:pPr/>
                   <a14:m>
                     <m:oMathPara xmlns:m="http://schemas.openxmlformats.org/officeDocument/2006/math">
                       <m:oMathParaPr>
@@ -4240,7 +4247,7 @@
               </p:txBody>
             </p:sp>
           </mc:Choice>
-          <mc:Fallback>
+          <mc:Fallback xmlns="">
             <p:sp>
               <p:nvSpPr>
                 <p:cNvPr id="19" name="文本框 18">
@@ -4285,8 +4292,8 @@
             </p:sp>
           </mc:Fallback>
         </mc:AlternateContent>
-        <mc:AlternateContent xmlns:mc="http://schemas.openxmlformats.org/markup-compatibility/2006">
-          <mc:Choice xmlns:a14="http://schemas.microsoft.com/office/drawing/2010/main" Requires="a14">
+        <mc:AlternateContent xmlns:mc="http://schemas.openxmlformats.org/markup-compatibility/2006" xmlns:a14="http://schemas.microsoft.com/office/drawing/2010/main">
+          <mc:Choice Requires="a14">
             <p:sp>
               <p:nvSpPr>
                 <p:cNvPr id="20" name="文本框 19">
@@ -4315,6 +4322,7 @@
                 </a:bodyPr>
                 <a:lstStyle/>
                 <a:p>
+                  <a:pPr/>
                   <a14:m>
                     <m:oMathPara xmlns:m="http://schemas.openxmlformats.org/officeDocument/2006/math">
                       <m:oMathParaPr>
@@ -4448,7 +4456,7 @@
               </p:txBody>
             </p:sp>
           </mc:Choice>
-          <mc:Fallback>
+          <mc:Fallback xmlns="">
             <p:sp>
               <p:nvSpPr>
                 <p:cNvPr id="20" name="文本框 19">
@@ -4493,8 +4501,8 @@
             </p:sp>
           </mc:Fallback>
         </mc:AlternateContent>
-        <mc:AlternateContent xmlns:mc="http://schemas.openxmlformats.org/markup-compatibility/2006">
-          <mc:Choice xmlns:a14="http://schemas.microsoft.com/office/drawing/2010/main" Requires="a14">
+        <mc:AlternateContent xmlns:mc="http://schemas.openxmlformats.org/markup-compatibility/2006" xmlns:a14="http://schemas.microsoft.com/office/drawing/2010/main">
+          <mc:Choice Requires="a14">
             <p:sp>
               <p:nvSpPr>
                 <p:cNvPr id="21" name="文本框 20">
@@ -4523,6 +4531,7 @@
                 </a:bodyPr>
                 <a:lstStyle/>
                 <a:p>
+                  <a:pPr/>
                   <a14:m>
                     <m:oMathPara xmlns:m="http://schemas.openxmlformats.org/officeDocument/2006/math">
                       <m:oMathParaPr>
@@ -4798,7 +4807,7 @@
               </p:txBody>
             </p:sp>
           </mc:Choice>
-          <mc:Fallback>
+          <mc:Fallback xmlns="">
             <p:sp>
               <p:nvSpPr>
                 <p:cNvPr id="21" name="文本框 20">
@@ -5469,8 +5478,8 @@
             </p:txBody>
           </p:sp>
         </p:grpSp>
-        <mc:AlternateContent xmlns:mc="http://schemas.openxmlformats.org/markup-compatibility/2006">
-          <mc:Choice xmlns:a14="http://schemas.microsoft.com/office/drawing/2010/main" Requires="a14">
+        <mc:AlternateContent xmlns:mc="http://schemas.openxmlformats.org/markup-compatibility/2006" xmlns:a14="http://schemas.microsoft.com/office/drawing/2010/main">
+          <mc:Choice Requires="a14">
             <p:sp>
               <p:nvSpPr>
                 <p:cNvPr id="19" name="矩形: 圆角 18">
@@ -5574,7 +5583,7 @@
               </p:txBody>
             </p:sp>
           </mc:Choice>
-          <mc:Fallback>
+          <mc:Fallback xmlns="">
             <p:sp>
               <p:nvSpPr>
                 <p:cNvPr id="19" name="矩形: 圆角 18">
@@ -5624,8 +5633,8 @@
             </p:sp>
           </mc:Fallback>
         </mc:AlternateContent>
-        <mc:AlternateContent xmlns:mc="http://schemas.openxmlformats.org/markup-compatibility/2006">
-          <mc:Choice xmlns:a14="http://schemas.microsoft.com/office/drawing/2010/main" Requires="a14">
+        <mc:AlternateContent xmlns:mc="http://schemas.openxmlformats.org/markup-compatibility/2006" xmlns:a14="http://schemas.microsoft.com/office/drawing/2010/main">
+          <mc:Choice Requires="a14">
             <p:sp>
               <p:nvSpPr>
                 <p:cNvPr id="20" name="矩形: 圆角 19">
@@ -5769,7 +5778,7 @@
               </p:txBody>
             </p:sp>
           </mc:Choice>
-          <mc:Fallback>
+          <mc:Fallback xmlns="">
             <p:sp>
               <p:nvSpPr>
                 <p:cNvPr id="20" name="矩形: 圆角 19">
@@ -5819,8 +5828,8 @@
             </p:sp>
           </mc:Fallback>
         </mc:AlternateContent>
-        <mc:AlternateContent xmlns:mc="http://schemas.openxmlformats.org/markup-compatibility/2006">
-          <mc:Choice xmlns:a14="http://schemas.microsoft.com/office/drawing/2010/main" Requires="a14">
+        <mc:AlternateContent xmlns:mc="http://schemas.openxmlformats.org/markup-compatibility/2006" xmlns:a14="http://schemas.microsoft.com/office/drawing/2010/main">
+          <mc:Choice Requires="a14">
             <p:sp>
               <p:nvSpPr>
                 <p:cNvPr id="21" name="矩形: 圆角 20">
@@ -5924,7 +5933,7 @@
               </p:txBody>
             </p:sp>
           </mc:Choice>
-          <mc:Fallback>
+          <mc:Fallback xmlns="">
             <p:sp>
               <p:nvSpPr>
                 <p:cNvPr id="21" name="矩形: 圆角 20">
@@ -5974,8 +5983,8 @@
             </p:sp>
           </mc:Fallback>
         </mc:AlternateContent>
-        <mc:AlternateContent xmlns:mc="http://schemas.openxmlformats.org/markup-compatibility/2006">
-          <mc:Choice xmlns:a14="http://schemas.microsoft.com/office/drawing/2010/main" Requires="a14">
+        <mc:AlternateContent xmlns:mc="http://schemas.openxmlformats.org/markup-compatibility/2006" xmlns:a14="http://schemas.microsoft.com/office/drawing/2010/main">
+          <mc:Choice Requires="a14">
             <p:sp>
               <p:nvSpPr>
                 <p:cNvPr id="22" name="矩形: 圆角 21">
@@ -6079,7 +6088,7 @@
               </p:txBody>
             </p:sp>
           </mc:Choice>
-          <mc:Fallback>
+          <mc:Fallback xmlns="">
             <p:sp>
               <p:nvSpPr>
                 <p:cNvPr id="22" name="矩形: 圆角 21">
@@ -6541,8 +6550,8 @@
             </a:p>
           </p:txBody>
         </p:sp>
-        <mc:AlternateContent xmlns:mc="http://schemas.openxmlformats.org/markup-compatibility/2006">
-          <mc:Choice xmlns:a14="http://schemas.microsoft.com/office/drawing/2010/main" Requires="a14">
+        <mc:AlternateContent xmlns:mc="http://schemas.openxmlformats.org/markup-compatibility/2006" xmlns:a14="http://schemas.microsoft.com/office/drawing/2010/main">
+          <mc:Choice Requires="a14">
             <p:sp>
               <p:nvSpPr>
                 <p:cNvPr id="43" name="文本框 42">
@@ -6625,7 +6634,7 @@
               </p:txBody>
             </p:sp>
           </mc:Choice>
-          <mc:Fallback>
+          <mc:Fallback xmlns="">
             <p:sp>
               <p:nvSpPr>
                 <p:cNvPr id="43" name="文本框 42">
@@ -6670,8 +6679,8 @@
             </p:sp>
           </mc:Fallback>
         </mc:AlternateContent>
-        <mc:AlternateContent xmlns:mc="http://schemas.openxmlformats.org/markup-compatibility/2006">
-          <mc:Choice xmlns:a14="http://schemas.microsoft.com/office/drawing/2010/main" Requires="a14">
+        <mc:AlternateContent xmlns:mc="http://schemas.openxmlformats.org/markup-compatibility/2006" xmlns:a14="http://schemas.microsoft.com/office/drawing/2010/main">
+          <mc:Choice Requires="a14">
             <p:sp>
               <p:nvSpPr>
                 <p:cNvPr id="44" name="文本框 43">
@@ -6744,7 +6753,7 @@
               </p:txBody>
             </p:sp>
           </mc:Choice>
-          <mc:Fallback>
+          <mc:Fallback xmlns="">
             <p:sp>
               <p:nvSpPr>
                 <p:cNvPr id="44" name="文本框 43">
@@ -6789,8 +6798,8 @@
             </p:sp>
           </mc:Fallback>
         </mc:AlternateContent>
-        <mc:AlternateContent xmlns:mc="http://schemas.openxmlformats.org/markup-compatibility/2006">
-          <mc:Choice xmlns:a14="http://schemas.microsoft.com/office/drawing/2010/main" Requires="a14">
+        <mc:AlternateContent xmlns:mc="http://schemas.openxmlformats.org/markup-compatibility/2006" xmlns:a14="http://schemas.microsoft.com/office/drawing/2010/main">
+          <mc:Choice Requires="a14">
             <p:sp>
               <p:nvSpPr>
                 <p:cNvPr id="46" name="文本框 45">
@@ -6865,7 +6874,7 @@
               </p:txBody>
             </p:sp>
           </mc:Choice>
-          <mc:Fallback>
+          <mc:Fallback xmlns="">
             <p:sp>
               <p:nvSpPr>
                 <p:cNvPr id="46" name="文本框 45">
@@ -6910,8 +6919,8 @@
             </p:sp>
           </mc:Fallback>
         </mc:AlternateContent>
-        <mc:AlternateContent xmlns:mc="http://schemas.openxmlformats.org/markup-compatibility/2006">
-          <mc:Choice xmlns:a14="http://schemas.microsoft.com/office/drawing/2010/main" Requires="a14">
+        <mc:AlternateContent xmlns:mc="http://schemas.openxmlformats.org/markup-compatibility/2006" xmlns:a14="http://schemas.microsoft.com/office/drawing/2010/main">
+          <mc:Choice Requires="a14">
             <p:sp>
               <p:nvSpPr>
                 <p:cNvPr id="47" name="文本框 46">
@@ -6986,7 +6995,7 @@
               </p:txBody>
             </p:sp>
           </mc:Choice>
-          <mc:Fallback>
+          <mc:Fallback xmlns="">
             <p:sp>
               <p:nvSpPr>
                 <p:cNvPr id="47" name="文本框 46">
@@ -7031,8 +7040,8 @@
             </p:sp>
           </mc:Fallback>
         </mc:AlternateContent>
-        <mc:AlternateContent xmlns:mc="http://schemas.openxmlformats.org/markup-compatibility/2006">
-          <mc:Choice xmlns:a14="http://schemas.microsoft.com/office/drawing/2010/main" Requires="a14">
+        <mc:AlternateContent xmlns:mc="http://schemas.openxmlformats.org/markup-compatibility/2006" xmlns:a14="http://schemas.microsoft.com/office/drawing/2010/main">
+          <mc:Choice Requires="a14">
             <p:sp>
               <p:nvSpPr>
                 <p:cNvPr id="48" name="文本框 47">
@@ -7133,7 +7142,7 @@
               </p:txBody>
             </p:sp>
           </mc:Choice>
-          <mc:Fallback>
+          <mc:Fallback xmlns="">
             <p:sp>
               <p:nvSpPr>
                 <p:cNvPr id="48" name="文本框 47">
@@ -7178,8 +7187,8 @@
             </p:sp>
           </mc:Fallback>
         </mc:AlternateContent>
-        <mc:AlternateContent xmlns:mc="http://schemas.openxmlformats.org/markup-compatibility/2006">
-          <mc:Choice xmlns:a14="http://schemas.microsoft.com/office/drawing/2010/main" Requires="a14">
+        <mc:AlternateContent xmlns:mc="http://schemas.openxmlformats.org/markup-compatibility/2006" xmlns:a14="http://schemas.microsoft.com/office/drawing/2010/main">
+          <mc:Choice Requires="a14">
             <p:sp>
               <p:nvSpPr>
                 <p:cNvPr id="50" name="文本框 49">
@@ -7307,7 +7316,7 @@
               </p:txBody>
             </p:sp>
           </mc:Choice>
-          <mc:Fallback>
+          <mc:Fallback xmlns="">
             <p:sp>
               <p:nvSpPr>
                 <p:cNvPr id="50" name="文本框 49">
@@ -7352,8 +7361,8 @@
             </p:sp>
           </mc:Fallback>
         </mc:AlternateContent>
-        <mc:AlternateContent xmlns:mc="http://schemas.openxmlformats.org/markup-compatibility/2006">
-          <mc:Choice xmlns:a14="http://schemas.microsoft.com/office/drawing/2010/main" Requires="a14">
+        <mc:AlternateContent xmlns:mc="http://schemas.openxmlformats.org/markup-compatibility/2006" xmlns:a14="http://schemas.microsoft.com/office/drawing/2010/main">
+          <mc:Choice Requires="a14">
             <p:sp>
               <p:nvSpPr>
                 <p:cNvPr id="51" name="文本框 50">
@@ -7491,7 +7500,7 @@
               </p:txBody>
             </p:sp>
           </mc:Choice>
-          <mc:Fallback>
+          <mc:Fallback xmlns="">
             <p:sp>
               <p:nvSpPr>
                 <p:cNvPr id="51" name="文本框 50">
@@ -7536,8 +7545,8 @@
             </p:sp>
           </mc:Fallback>
         </mc:AlternateContent>
-        <mc:AlternateContent xmlns:mc="http://schemas.openxmlformats.org/markup-compatibility/2006">
-          <mc:Choice xmlns:a14="http://schemas.microsoft.com/office/drawing/2010/main" Requires="a14">
+        <mc:AlternateContent xmlns:mc="http://schemas.openxmlformats.org/markup-compatibility/2006" xmlns:a14="http://schemas.microsoft.com/office/drawing/2010/main">
+          <mc:Choice Requires="a14">
             <p:sp>
               <p:nvSpPr>
                 <p:cNvPr id="52" name="文本框 51">
@@ -7700,7 +7709,7 @@
               </p:txBody>
             </p:sp>
           </mc:Choice>
-          <mc:Fallback>
+          <mc:Fallback xmlns="">
             <p:sp>
               <p:nvSpPr>
                 <p:cNvPr id="52" name="文本框 51">
@@ -8016,8 +8025,8 @@
           </p:style>
         </p:cxnSp>
       </p:grpSp>
-      <mc:AlternateContent xmlns:mc="http://schemas.openxmlformats.org/markup-compatibility/2006">
-        <mc:Choice xmlns:a14="http://schemas.microsoft.com/office/drawing/2010/main" Requires="a14">
+      <mc:AlternateContent xmlns:mc="http://schemas.openxmlformats.org/markup-compatibility/2006" xmlns:a14="http://schemas.microsoft.com/office/drawing/2010/main">
+        <mc:Choice Requires="a14">
           <p:sp>
             <p:nvSpPr>
               <p:cNvPr id="21" name="文本框 20">
@@ -8096,7 +8105,7 @@
             </p:txBody>
           </p:sp>
         </mc:Choice>
-        <mc:Fallback>
+        <mc:Fallback xmlns="">
           <p:sp>
             <p:nvSpPr>
               <p:cNvPr id="21" name="文本框 20">
@@ -8141,8 +8150,8 @@
           </p:sp>
         </mc:Fallback>
       </mc:AlternateContent>
-      <mc:AlternateContent xmlns:mc="http://schemas.openxmlformats.org/markup-compatibility/2006">
-        <mc:Choice xmlns:a14="http://schemas.microsoft.com/office/drawing/2010/main" Requires="a14">
+      <mc:AlternateContent xmlns:mc="http://schemas.openxmlformats.org/markup-compatibility/2006" xmlns:a14="http://schemas.microsoft.com/office/drawing/2010/main">
+        <mc:Choice Requires="a14">
           <p:sp>
             <p:nvSpPr>
               <p:cNvPr id="22" name="文本框 21">
@@ -8221,7 +8230,7 @@
             </p:txBody>
           </p:sp>
         </mc:Choice>
-        <mc:Fallback>
+        <mc:Fallback xmlns="">
           <p:sp>
             <p:nvSpPr>
               <p:cNvPr id="22" name="文本框 21">
@@ -8266,8 +8275,8 @@
           </p:sp>
         </mc:Fallback>
       </mc:AlternateContent>
-      <mc:AlternateContent xmlns:mc="http://schemas.openxmlformats.org/markup-compatibility/2006">
-        <mc:Choice xmlns:a14="http://schemas.microsoft.com/office/drawing/2010/main" Requires="a14">
+      <mc:AlternateContent xmlns:mc="http://schemas.openxmlformats.org/markup-compatibility/2006" xmlns:a14="http://schemas.microsoft.com/office/drawing/2010/main">
+        <mc:Choice Requires="a14">
           <p:sp>
             <p:nvSpPr>
               <p:cNvPr id="28" name="文本框 27">
@@ -8400,7 +8409,7 @@
             </p:txBody>
           </p:sp>
         </mc:Choice>
-        <mc:Fallback>
+        <mc:Fallback xmlns="">
           <p:sp>
             <p:nvSpPr>
               <p:cNvPr id="28" name="文本框 27">
@@ -8445,8 +8454,8 @@
           </p:sp>
         </mc:Fallback>
       </mc:AlternateContent>
-      <mc:AlternateContent xmlns:mc="http://schemas.openxmlformats.org/markup-compatibility/2006">
-        <mc:Choice xmlns:a14="http://schemas.microsoft.com/office/drawing/2010/main" Requires="a14">
+      <mc:AlternateContent xmlns:mc="http://schemas.openxmlformats.org/markup-compatibility/2006" xmlns:a14="http://schemas.microsoft.com/office/drawing/2010/main">
+        <mc:Choice Requires="a14">
           <p:sp>
             <p:nvSpPr>
               <p:cNvPr id="34" name="文本框 33">
@@ -8582,7 +8591,7 @@
             </p:txBody>
           </p:sp>
         </mc:Choice>
-        <mc:Fallback>
+        <mc:Fallback xmlns="">
           <p:sp>
             <p:nvSpPr>
               <p:cNvPr id="34" name="文本框 33">
@@ -9515,8 +9524,8 @@
           </a:fontRef>
         </p:style>
       </p:cxnSp>
-      <mc:AlternateContent xmlns:mc="http://schemas.openxmlformats.org/markup-compatibility/2006">
-        <mc:Choice xmlns:a14="http://schemas.microsoft.com/office/drawing/2010/main" Requires="a14">
+      <mc:AlternateContent xmlns:mc="http://schemas.openxmlformats.org/markup-compatibility/2006" xmlns:a14="http://schemas.microsoft.com/office/drawing/2010/main">
+        <mc:Choice Requires="a14">
           <p:sp>
             <p:nvSpPr>
               <p:cNvPr id="40" name="文本框 39">
@@ -9652,7 +9661,7 @@
             </p:txBody>
           </p:sp>
         </mc:Choice>
-        <mc:Fallback>
+        <mc:Fallback xmlns="">
           <p:sp>
             <p:nvSpPr>
               <p:cNvPr id="40" name="文本框 39">
@@ -9920,8 +9929,8 @@
           </a:fontRef>
         </p:style>
       </p:cxnSp>
-      <mc:AlternateContent xmlns:mc="http://schemas.openxmlformats.org/markup-compatibility/2006">
-        <mc:Choice xmlns:a14="http://schemas.microsoft.com/office/drawing/2010/main" Requires="a14">
+      <mc:AlternateContent xmlns:mc="http://schemas.openxmlformats.org/markup-compatibility/2006" xmlns:a14="http://schemas.microsoft.com/office/drawing/2010/main">
+        <mc:Choice Requires="a14">
           <p:sp>
             <p:nvSpPr>
               <p:cNvPr id="56" name="文本框 55">
@@ -10057,7 +10066,7 @@
             </p:txBody>
           </p:sp>
         </mc:Choice>
-        <mc:Fallback>
+        <mc:Fallback xmlns="">
           <p:sp>
             <p:nvSpPr>
               <p:cNvPr id="56" name="文本框 55">
@@ -10839,8 +10848,8 @@
           </a:fontRef>
         </p:style>
       </p:cxnSp>
-      <mc:AlternateContent xmlns:mc="http://schemas.openxmlformats.org/markup-compatibility/2006">
-        <mc:Choice xmlns:a14="http://schemas.microsoft.com/office/drawing/2010/main" Requires="a14">
+      <mc:AlternateContent xmlns:mc="http://schemas.openxmlformats.org/markup-compatibility/2006" xmlns:a14="http://schemas.microsoft.com/office/drawing/2010/main">
+        <mc:Choice Requires="a14">
           <p:sp>
             <p:nvSpPr>
               <p:cNvPr id="91" name="文本框 90">
@@ -10894,7 +10903,7 @@
             </p:txBody>
           </p:sp>
         </mc:Choice>
-        <mc:Fallback>
+        <mc:Fallback xmlns="">
           <p:sp>
             <p:nvSpPr>
               <p:cNvPr id="91" name="文本框 90">
@@ -10939,8 +10948,8 @@
           </p:sp>
         </mc:Fallback>
       </mc:AlternateContent>
-      <mc:AlternateContent xmlns:mc="http://schemas.openxmlformats.org/markup-compatibility/2006">
-        <mc:Choice xmlns:a14="http://schemas.microsoft.com/office/drawing/2010/main" Requires="a14">
+      <mc:AlternateContent xmlns:mc="http://schemas.openxmlformats.org/markup-compatibility/2006" xmlns:a14="http://schemas.microsoft.com/office/drawing/2010/main">
+        <mc:Choice Requires="a14">
           <p:sp>
             <p:nvSpPr>
               <p:cNvPr id="92" name="文本框 91">
@@ -11001,7 +11010,7 @@
             </p:txBody>
           </p:sp>
         </mc:Choice>
-        <mc:Fallback>
+        <mc:Fallback xmlns="">
           <p:sp>
             <p:nvSpPr>
               <p:cNvPr id="92" name="文本框 91">
@@ -11046,8 +11055,8 @@
           </p:sp>
         </mc:Fallback>
       </mc:AlternateContent>
-      <mc:AlternateContent xmlns:mc="http://schemas.openxmlformats.org/markup-compatibility/2006">
-        <mc:Choice xmlns:a14="http://schemas.microsoft.com/office/drawing/2010/main" Requires="a14">
+      <mc:AlternateContent xmlns:mc="http://schemas.openxmlformats.org/markup-compatibility/2006" xmlns:a14="http://schemas.microsoft.com/office/drawing/2010/main">
+        <mc:Choice Requires="a14">
           <p:sp>
             <p:nvSpPr>
               <p:cNvPr id="93" name="文本框 92">
@@ -11104,18 +11113,16 @@
                 </a:endParaRPr>
               </a:p>
               <a:p>
-                <a:pPr/>
+                <a:endParaRPr lang="en-US" altLang="zh-CN" dirty="0"/>
+              </a:p>
+              <a:p>
+                <a:endParaRPr lang="en-US" altLang="zh-CN" dirty="0"/>
+              </a:p>
+              <a:p>
                 <a:endParaRPr lang="en-US" altLang="zh-CN" dirty="0"/>
               </a:p>
               <a:p>
                 <a:pPr/>
-                <a:endParaRPr lang="en-US" altLang="zh-CN" dirty="0"/>
-              </a:p>
-              <a:p>
-                <a:pPr/>
-                <a:endParaRPr lang="en-US" altLang="zh-CN" dirty="0"/>
-              </a:p>
-              <a:p>
                 <a14:m>
                   <m:oMathPara xmlns:m="http://schemas.openxmlformats.org/officeDocument/2006/math">
                     <m:oMathParaPr>
@@ -11209,7 +11216,7 @@
             </p:txBody>
           </p:sp>
         </mc:Choice>
-        <mc:Fallback>
+        <mc:Fallback xmlns="">
           <p:sp>
             <p:nvSpPr>
               <p:cNvPr id="93" name="文本框 92">
@@ -11304,8 +11311,8 @@
             <a:chExt cx="9468371" cy="4975135"/>
           </a:xfrm>
         </p:grpSpPr>
-        <mc:AlternateContent xmlns:mc="http://schemas.openxmlformats.org/markup-compatibility/2006">
-          <mc:Choice xmlns:a14="http://schemas.microsoft.com/office/drawing/2010/main" Requires="a14">
+        <mc:AlternateContent xmlns:mc="http://schemas.openxmlformats.org/markup-compatibility/2006" xmlns:a14="http://schemas.microsoft.com/office/drawing/2010/main">
+          <mc:Choice Requires="a14">
             <p:sp>
               <p:nvSpPr>
                 <p:cNvPr id="92" name="文本框 91">
@@ -11513,7 +11520,7 @@
               </p:txBody>
             </p:sp>
           </mc:Choice>
-          <mc:Fallback>
+          <mc:Fallback xmlns="">
             <p:sp>
               <p:nvSpPr>
                 <p:cNvPr id="92" name="文本框 91">
@@ -11558,8 +11565,8 @@
             </p:sp>
           </mc:Fallback>
         </mc:AlternateContent>
-        <mc:AlternateContent xmlns:mc="http://schemas.openxmlformats.org/markup-compatibility/2006">
-          <mc:Choice xmlns:a14="http://schemas.microsoft.com/office/drawing/2010/main" Requires="a14">
+        <mc:AlternateContent xmlns:mc="http://schemas.openxmlformats.org/markup-compatibility/2006" xmlns:a14="http://schemas.microsoft.com/office/drawing/2010/main">
+          <mc:Choice Requires="a14">
             <p:sp>
               <p:nvSpPr>
                 <p:cNvPr id="57" name="文本框 56">
@@ -11767,7 +11774,7 @@
               </p:txBody>
             </p:sp>
           </mc:Choice>
-          <mc:Fallback>
+          <mc:Fallback xmlns="">
             <p:sp>
               <p:nvSpPr>
                 <p:cNvPr id="57" name="文本框 56">
@@ -11812,8 +11819,8 @@
             </p:sp>
           </mc:Fallback>
         </mc:AlternateContent>
-        <mc:AlternateContent xmlns:mc="http://schemas.openxmlformats.org/markup-compatibility/2006">
-          <mc:Choice xmlns:a14="http://schemas.microsoft.com/office/drawing/2010/main" Requires="a14">
+        <mc:AlternateContent xmlns:mc="http://schemas.openxmlformats.org/markup-compatibility/2006" xmlns:a14="http://schemas.microsoft.com/office/drawing/2010/main">
+          <mc:Choice Requires="a14">
             <p:sp>
               <p:nvSpPr>
                 <p:cNvPr id="58" name="文本框 57">
@@ -12582,7 +12589,7 @@
               </p:txBody>
             </p:sp>
           </mc:Choice>
-          <mc:Fallback>
+          <mc:Fallback xmlns="">
             <p:sp>
               <p:nvSpPr>
                 <p:cNvPr id="58" name="文本框 57">
@@ -12627,8 +12634,8 @@
             </p:sp>
           </mc:Fallback>
         </mc:AlternateContent>
-        <mc:AlternateContent xmlns:mc="http://schemas.openxmlformats.org/markup-compatibility/2006">
-          <mc:Choice xmlns:a14="http://schemas.microsoft.com/office/drawing/2010/main" Requires="a14">
+        <mc:AlternateContent xmlns:mc="http://schemas.openxmlformats.org/markup-compatibility/2006" xmlns:a14="http://schemas.microsoft.com/office/drawing/2010/main">
+          <mc:Choice Requires="a14">
             <p:sp>
               <p:nvSpPr>
                 <p:cNvPr id="59" name="文本框 58">
@@ -13026,7 +13033,7 @@
               </p:txBody>
             </p:sp>
           </mc:Choice>
-          <mc:Fallback>
+          <mc:Fallback xmlns="">
             <p:sp>
               <p:nvSpPr>
                 <p:cNvPr id="59" name="文本框 58">
@@ -13071,8 +13078,8 @@
             </p:sp>
           </mc:Fallback>
         </mc:AlternateContent>
-        <mc:AlternateContent xmlns:mc="http://schemas.openxmlformats.org/markup-compatibility/2006">
-          <mc:Choice xmlns:a14="http://schemas.microsoft.com/office/drawing/2010/main" Requires="a14">
+        <mc:AlternateContent xmlns:mc="http://schemas.openxmlformats.org/markup-compatibility/2006" xmlns:a14="http://schemas.microsoft.com/office/drawing/2010/main">
+          <mc:Choice Requires="a14">
             <p:sp>
               <p:nvSpPr>
                 <p:cNvPr id="60" name="文本框 59">
@@ -13198,7 +13205,7 @@
               </p:txBody>
             </p:sp>
           </mc:Choice>
-          <mc:Fallback>
+          <mc:Fallback xmlns="">
             <p:sp>
               <p:nvSpPr>
                 <p:cNvPr id="60" name="文本框 59">
@@ -13607,8 +13614,8 @@
             </a:p>
           </p:txBody>
         </p:sp>
-        <mc:AlternateContent xmlns:mc="http://schemas.openxmlformats.org/markup-compatibility/2006">
-          <mc:Choice xmlns:a14="http://schemas.microsoft.com/office/drawing/2010/main" Requires="a14">
+        <mc:AlternateContent xmlns:mc="http://schemas.openxmlformats.org/markup-compatibility/2006" xmlns:a14="http://schemas.microsoft.com/office/drawing/2010/main">
+          <mc:Choice Requires="a14">
             <p:sp>
               <p:nvSpPr>
                 <p:cNvPr id="69" name="文本框 68">
@@ -13734,7 +13741,7 @@
               </p:txBody>
             </p:sp>
           </mc:Choice>
-          <mc:Fallback>
+          <mc:Fallback xmlns="">
             <p:sp>
               <p:nvSpPr>
                 <p:cNvPr id="69" name="文本框 68">
@@ -13779,8 +13786,8 @@
             </p:sp>
           </mc:Fallback>
         </mc:AlternateContent>
-        <mc:AlternateContent xmlns:mc="http://schemas.openxmlformats.org/markup-compatibility/2006">
-          <mc:Choice xmlns:a14="http://schemas.microsoft.com/office/drawing/2010/main" Requires="a14">
+        <mc:AlternateContent xmlns:mc="http://schemas.openxmlformats.org/markup-compatibility/2006" xmlns:a14="http://schemas.microsoft.com/office/drawing/2010/main">
+          <mc:Choice Requires="a14">
             <p:sp>
               <p:nvSpPr>
                 <p:cNvPr id="70" name="文本框 69">
@@ -14020,7 +14027,7 @@
               </p:txBody>
             </p:sp>
           </mc:Choice>
-          <mc:Fallback>
+          <mc:Fallback xmlns="">
             <p:sp>
               <p:nvSpPr>
                 <p:cNvPr id="70" name="文本框 69">
@@ -14065,8 +14072,8 @@
             </p:sp>
           </mc:Fallback>
         </mc:AlternateContent>
-        <mc:AlternateContent xmlns:mc="http://schemas.openxmlformats.org/markup-compatibility/2006">
-          <mc:Choice xmlns:a14="http://schemas.microsoft.com/office/drawing/2010/main" Requires="a14">
+        <mc:AlternateContent xmlns:mc="http://schemas.openxmlformats.org/markup-compatibility/2006" xmlns:a14="http://schemas.microsoft.com/office/drawing/2010/main">
+          <mc:Choice Requires="a14">
             <p:sp>
               <p:nvSpPr>
                 <p:cNvPr id="75" name="文本框 74">
@@ -14323,7 +14330,7 @@
               </p:txBody>
             </p:sp>
           </mc:Choice>
-          <mc:Fallback>
+          <mc:Fallback xmlns="">
             <p:sp>
               <p:nvSpPr>
                 <p:cNvPr id="75" name="文本框 74">
